--- a/figure/softwarestack.pptx
+++ b/figure/softwarestack.pptx
@@ -1012,7 +1012,7 @@
           <a:p>
             <a:fld id="{E90ED720-0104-4369-84BC-D37694168613}" type="datetimeFigureOut">
               <a:rPr kumimoji="1" lang="ja-JP" altLang="en-US" smtClean="0"/>
-              <a:t>2017/6/25</a:t>
+              <a:t>2018/1/10</a:t>
             </a:fld>
             <a:endParaRPr kumimoji="1" lang="ja-JP" altLang="en-US"/>
           </a:p>
@@ -1214,7 +1214,7 @@
           <a:p>
             <a:fld id="{E90ED720-0104-4369-84BC-D37694168613}" type="datetimeFigureOut">
               <a:rPr kumimoji="1" lang="ja-JP" altLang="en-US" smtClean="0"/>
-              <a:t>2017/6/25</a:t>
+              <a:t>2018/1/10</a:t>
             </a:fld>
             <a:endParaRPr kumimoji="1" lang="ja-JP" altLang="en-US"/>
           </a:p>
@@ -1426,7 +1426,7 @@
           <a:p>
             <a:fld id="{E90ED720-0104-4369-84BC-D37694168613}" type="datetimeFigureOut">
               <a:rPr kumimoji="1" lang="ja-JP" altLang="en-US" smtClean="0"/>
-              <a:t>2017/6/25</a:t>
+              <a:t>2018/1/10</a:t>
             </a:fld>
             <a:endParaRPr kumimoji="1" lang="ja-JP" altLang="en-US"/>
           </a:p>
@@ -1628,7 +1628,7 @@
           <a:p>
             <a:fld id="{E90ED720-0104-4369-84BC-D37694168613}" type="datetimeFigureOut">
               <a:rPr kumimoji="1" lang="ja-JP" altLang="en-US" smtClean="0"/>
-              <a:t>2017/6/25</a:t>
+              <a:t>2018/1/10</a:t>
             </a:fld>
             <a:endParaRPr kumimoji="1" lang="ja-JP" altLang="en-US"/>
           </a:p>
@@ -1874,7 +1874,7 @@
           <a:p>
             <a:fld id="{E90ED720-0104-4369-84BC-D37694168613}" type="datetimeFigureOut">
               <a:rPr kumimoji="1" lang="ja-JP" altLang="en-US" smtClean="0"/>
-              <a:t>2017/6/25</a:t>
+              <a:t>2018/1/10</a:t>
             </a:fld>
             <a:endParaRPr kumimoji="1" lang="ja-JP" altLang="en-US"/>
           </a:p>
@@ -2226,7 +2226,7 @@
           <a:p>
             <a:fld id="{E90ED720-0104-4369-84BC-D37694168613}" type="datetimeFigureOut">
               <a:rPr kumimoji="1" lang="ja-JP" altLang="en-US" smtClean="0"/>
-              <a:t>2017/6/25</a:t>
+              <a:t>2018/1/10</a:t>
             </a:fld>
             <a:endParaRPr kumimoji="1" lang="ja-JP" altLang="en-US"/>
           </a:p>
@@ -2712,7 +2712,7 @@
           <a:p>
             <a:fld id="{E90ED720-0104-4369-84BC-D37694168613}" type="datetimeFigureOut">
               <a:rPr kumimoji="1" lang="ja-JP" altLang="en-US" smtClean="0"/>
-              <a:t>2017/6/25</a:t>
+              <a:t>2018/1/10</a:t>
             </a:fld>
             <a:endParaRPr kumimoji="1" lang="ja-JP" altLang="en-US"/>
           </a:p>
@@ -2830,7 +2830,7 @@
           <a:p>
             <a:fld id="{E90ED720-0104-4369-84BC-D37694168613}" type="datetimeFigureOut">
               <a:rPr kumimoji="1" lang="ja-JP" altLang="en-US" smtClean="0"/>
-              <a:t>2017/6/25</a:t>
+              <a:t>2018/1/10</a:t>
             </a:fld>
             <a:endParaRPr kumimoji="1" lang="ja-JP" altLang="en-US"/>
           </a:p>
@@ -2925,7 +2925,7 @@
           <a:p>
             <a:fld id="{E90ED720-0104-4369-84BC-D37694168613}" type="datetimeFigureOut">
               <a:rPr kumimoji="1" lang="ja-JP" altLang="en-US" smtClean="0"/>
-              <a:t>2017/6/25</a:t>
+              <a:t>2018/1/10</a:t>
             </a:fld>
             <a:endParaRPr kumimoji="1" lang="ja-JP" altLang="en-US"/>
           </a:p>
@@ -3234,7 +3234,7 @@
           <a:p>
             <a:fld id="{E90ED720-0104-4369-84BC-D37694168613}" type="datetimeFigureOut">
               <a:rPr kumimoji="1" lang="ja-JP" altLang="en-US" smtClean="0"/>
-              <a:t>2017/6/25</a:t>
+              <a:t>2018/1/10</a:t>
             </a:fld>
             <a:endParaRPr kumimoji="1" lang="ja-JP" altLang="en-US"/>
           </a:p>
@@ -3487,7 +3487,7 @@
           <a:p>
             <a:fld id="{E90ED720-0104-4369-84BC-D37694168613}" type="datetimeFigureOut">
               <a:rPr kumimoji="1" lang="ja-JP" altLang="en-US" smtClean="0"/>
-              <a:t>2017/6/25</a:t>
+              <a:t>2018/1/10</a:t>
             </a:fld>
             <a:endParaRPr kumimoji="1" lang="ja-JP" altLang="en-US"/>
           </a:p>
@@ -3732,7 +3732,7 @@
           <a:p>
             <a:fld id="{E90ED720-0104-4369-84BC-D37694168613}" type="datetimeFigureOut">
               <a:rPr kumimoji="1" lang="ja-JP" altLang="en-US" smtClean="0"/>
-              <a:t>2017/6/25</a:t>
+              <a:t>2018/1/10</a:t>
             </a:fld>
             <a:endParaRPr kumimoji="1" lang="ja-JP" altLang="en-US"/>
           </a:p>
@@ -4115,7 +4115,7 @@
         </p:nvSpPr>
         <p:spPr>
           <a:xfrm>
-            <a:off x="346709" y="1537613"/>
+            <a:off x="344646" y="1442790"/>
             <a:ext cx="1472836" cy="804684"/>
           </a:xfrm>
           <a:prstGeom prst="rect">
@@ -4170,8 +4170,8 @@
         </p:nvSpPr>
         <p:spPr>
           <a:xfrm>
-            <a:off x="2090057" y="2492834"/>
-            <a:ext cx="6595653" cy="785723"/>
+            <a:off x="2084940" y="2352036"/>
+            <a:ext cx="6595653" cy="536659"/>
           </a:xfrm>
           <a:prstGeom prst="flowChartAlternateProcess">
             <a:avLst/>
@@ -4202,39 +4202,18 @@
               <a:defRPr/>
             </a:pPr>
             <a:r>
-              <a:rPr kumimoji="0" lang="en-US" altLang="ja-JP" sz="2400" kern="0" dirty="0" err="1">
+              <a:rPr kumimoji="0" lang="en-US" altLang="ja-JP" sz="2400" kern="0" dirty="0" smtClean="0">
                 <a:latin typeface="Segoe UI"/>
                 <a:ea typeface="ＭＳ Ｐゴシック" panose="020B0600070205080204" pitchFamily="50" charset="-128"/>
               </a:rPr>
-              <a:t>Libnoc</a:t>
+              <a:t>Asynchronous NoC Communication </a:t>
             </a:r>
             <a:r>
               <a:rPr kumimoji="0" lang="en-US" altLang="ja-JP" sz="2400" kern="0" dirty="0">
                 <a:latin typeface="Segoe UI"/>
                 <a:ea typeface="ＭＳ Ｐゴシック" panose="020B0600070205080204" pitchFamily="50" charset="-128"/>
               </a:rPr>
-              <a:t>, </a:t>
-            </a:r>
-            <a:r>
-              <a:rPr kumimoji="0" lang="en-US" altLang="ja-JP" sz="2400" kern="0" dirty="0" err="1">
-                <a:latin typeface="Segoe UI"/>
-                <a:ea typeface="ＭＳ Ｐゴシック" panose="020B0600070205080204" pitchFamily="50" charset="-128"/>
-              </a:rPr>
-              <a:t>Librouting</a:t>
-            </a:r>
-            <a:r>
-              <a:rPr kumimoji="0" lang="en-US" altLang="ja-JP" sz="2400" kern="0" dirty="0">
-                <a:latin typeface="Segoe UI"/>
-                <a:ea typeface="ＭＳ Ｐゴシック" panose="020B0600070205080204" pitchFamily="50" charset="-128"/>
-              </a:rPr>
-              <a:t>, </a:t>
-            </a:r>
-            <a:r>
-              <a:rPr kumimoji="0" lang="en-US" altLang="ja-JP" sz="2400" kern="0" dirty="0" err="1">
-                <a:latin typeface="Segoe UI"/>
-                <a:ea typeface="ＭＳ Ｐゴシック" panose="020B0600070205080204" pitchFamily="50" charset="-128"/>
-              </a:rPr>
-              <a:t>Libpower</a:t>
+              <a:t>API</a:t>
             </a:r>
             <a:endParaRPr kumimoji="0" lang="ja-JP" altLang="en-US" sz="2400" kern="0" dirty="0">
               <a:latin typeface="Segoe UI"/>
@@ -4251,8 +4230,8 @@
         </p:nvSpPr>
         <p:spPr>
           <a:xfrm>
-            <a:off x="346709" y="2487479"/>
-            <a:ext cx="1472836" cy="804684"/>
+            <a:off x="344646" y="2339399"/>
+            <a:ext cx="1472836" cy="549610"/>
           </a:xfrm>
           <a:prstGeom prst="rect">
             <a:avLst/>
@@ -4285,25 +4264,7 @@
               <a:defRPr/>
             </a:pPr>
             <a:r>
-              <a:rPr kumimoji="0" lang="en-US" altLang="ja-JP" sz="1600" b="1" kern="0" dirty="0">
-                <a:latin typeface="Meiryo UI" panose="020B0604030504040204" pitchFamily="50" charset="-128"/>
-                <a:ea typeface="Meiryo UI" panose="020B0604030504040204" pitchFamily="50" charset="-128"/>
-              </a:rPr>
-              <a:t>Low-Level</a:t>
-            </a:r>
-          </a:p>
-          <a:p>
-            <a:pPr algn="ctr" eaLnBrk="1" fontAlgn="auto" hangingPunct="1">
-              <a:spcBef>
-                <a:spcPts val="0"/>
-              </a:spcBef>
-              <a:spcAft>
-                <a:spcPts val="0"/>
-              </a:spcAft>
-              <a:defRPr/>
-            </a:pPr>
-            <a:r>
-              <a:rPr kumimoji="0" lang="en-US" altLang="ja-JP" sz="1600" b="1" kern="0" dirty="0">
+              <a:rPr kumimoji="0" lang="en-US" altLang="ja-JP" sz="1600" b="1" kern="0" dirty="0" smtClean="0">
                 <a:latin typeface="Meiryo UI" panose="020B0604030504040204" pitchFamily="50" charset="-128"/>
                 <a:ea typeface="Meiryo UI" panose="020B0604030504040204" pitchFamily="50" charset="-128"/>
               </a:rPr>
@@ -4324,8 +4285,8 @@
         </p:nvSpPr>
         <p:spPr>
           <a:xfrm>
-            <a:off x="346709" y="3396525"/>
-            <a:ext cx="1472836" cy="804684"/>
+            <a:off x="344646" y="3622469"/>
+            <a:ext cx="1472836" cy="549610"/>
           </a:xfrm>
           <a:prstGeom prst="rect">
             <a:avLst/>
@@ -4397,7 +4358,7 @@
         </p:nvSpPr>
         <p:spPr>
           <a:xfrm>
-            <a:off x="2107293" y="1501331"/>
+            <a:off x="2084940" y="1463295"/>
             <a:ext cx="6578415" cy="785723"/>
           </a:xfrm>
           <a:prstGeom prst="flowChartAlternateProcess">
@@ -4450,8 +4411,8 @@
         </p:nvSpPr>
         <p:spPr>
           <a:xfrm>
-            <a:off x="2090056" y="3426194"/>
-            <a:ext cx="6595653" cy="785723"/>
+            <a:off x="2084942" y="3636033"/>
+            <a:ext cx="6595653" cy="536659"/>
           </a:xfrm>
           <a:prstGeom prst="flowChartAlternateProcess">
             <a:avLst/>
@@ -4503,7 +4464,7 @@
         </p:nvSpPr>
         <p:spPr>
           <a:xfrm>
-            <a:off x="2107292" y="4333879"/>
+            <a:off x="2107292" y="4292313"/>
             <a:ext cx="2407108" cy="785723"/>
           </a:xfrm>
           <a:prstGeom prst="flowChartAlternateProcess">
@@ -4581,7 +4542,7 @@
         </p:nvSpPr>
         <p:spPr>
           <a:xfrm>
-            <a:off x="346709" y="4305571"/>
+            <a:off x="344646" y="4264005"/>
             <a:ext cx="1472836" cy="804684"/>
           </a:xfrm>
           <a:prstGeom prst="rect">
@@ -4763,7 +4724,7 @@
         </p:nvSpPr>
         <p:spPr>
           <a:xfrm>
-            <a:off x="4608640" y="4333879"/>
+            <a:off x="4608640" y="4292313"/>
             <a:ext cx="2952848" cy="785723"/>
           </a:xfrm>
           <a:prstGeom prst="flowChartAlternateProcess">
@@ -4841,7 +4802,7 @@
         </p:nvSpPr>
         <p:spPr>
           <a:xfrm>
-            <a:off x="346709" y="587747"/>
+            <a:off x="344646" y="546181"/>
             <a:ext cx="1472836" cy="804684"/>
           </a:xfrm>
           <a:prstGeom prst="rect">
@@ -4896,7 +4857,7 @@
         </p:nvSpPr>
         <p:spPr>
           <a:xfrm>
-            <a:off x="2106297" y="567971"/>
+            <a:off x="2106297" y="562768"/>
             <a:ext cx="6578415" cy="785723"/>
           </a:xfrm>
           <a:prstGeom prst="flowChartAlternateProcess">
@@ -4928,39 +4889,11 @@
               <a:defRPr/>
             </a:pPr>
             <a:r>
-              <a:rPr kumimoji="0" lang="en-US" altLang="ja-JP" sz="2400" kern="0" dirty="0">
+              <a:rPr kumimoji="0" lang="en-US" altLang="ja-JP" sz="2400" kern="0" dirty="0" smtClean="0">
                 <a:latin typeface="Segoe UI"/>
                 <a:ea typeface="ＭＳ Ｐゴシック" panose="020B0600070205080204" pitchFamily="50" charset="-128"/>
               </a:rPr>
-              <a:t>POSIX, </a:t>
-            </a:r>
-            <a:r>
-              <a:rPr kumimoji="0" lang="en-US" altLang="ja-JP" sz="2400" kern="0" dirty="0" err="1">
-                <a:latin typeface="Segoe UI"/>
-                <a:ea typeface="ＭＳ Ｐゴシック" panose="020B0600070205080204" pitchFamily="50" charset="-128"/>
-              </a:rPr>
-              <a:t>OpenMP</a:t>
-            </a:r>
-            <a:r>
-              <a:rPr kumimoji="0" lang="en-US" altLang="ja-JP" sz="2400" kern="0" dirty="0">
-                <a:latin typeface="Segoe UI"/>
-                <a:ea typeface="ＭＳ Ｐゴシック" panose="020B0600070205080204" pitchFamily="50" charset="-128"/>
-              </a:rPr>
-              <a:t>, </a:t>
-            </a:r>
-            <a:r>
-              <a:rPr kumimoji="0" lang="en-US" altLang="ja-JP" sz="2400" kern="0" dirty="0" err="1">
-                <a:latin typeface="Segoe UI"/>
-                <a:ea typeface="ＭＳ Ｐゴシック" panose="020B0600070205080204" pitchFamily="50" charset="-128"/>
-              </a:rPr>
-              <a:t>OpenCL</a:t>
-            </a:r>
-            <a:r>
-              <a:rPr kumimoji="0" lang="en-US" altLang="ja-JP" sz="2400" kern="0" dirty="0">
-                <a:latin typeface="Segoe UI"/>
-                <a:ea typeface="ＭＳ Ｐゴシック" panose="020B0600070205080204" pitchFamily="50" charset="-128"/>
-              </a:rPr>
-              <a:t> etc.</a:t>
+              <a:t>C/C++ Applications</a:t>
             </a:r>
             <a:endParaRPr kumimoji="0" lang="ja-JP" altLang="en-US" sz="2400" kern="0" dirty="0">
               <a:latin typeface="Segoe UI"/>
@@ -4977,7 +4910,7 @@
         </p:nvSpPr>
         <p:spPr>
           <a:xfrm>
-            <a:off x="7655730" y="4333879"/>
+            <a:off x="7655730" y="4292313"/>
             <a:ext cx="1025855" cy="785723"/>
           </a:xfrm>
           <a:prstGeom prst="flowChartAlternateProcess">
@@ -5018,6 +4951,160 @@
             <a:endParaRPr kumimoji="0" lang="ja-JP" altLang="en-US" sz="2000" kern="0" dirty="0">
               <a:latin typeface="Segoe UI"/>
               <a:ea typeface="ＭＳ Ｐゴシック" panose="020B0600070205080204" pitchFamily="50" charset="-128"/>
+            </a:endParaRPr>
+          </a:p>
+        </p:txBody>
+      </p:sp>
+      <p:sp>
+        <p:nvSpPr>
+          <p:cNvPr id="16" name="フローチャート: 代替処理 15"/>
+          <p:cNvSpPr/>
+          <p:nvPr/>
+        </p:nvSpPr>
+        <p:spPr>
+          <a:xfrm>
+            <a:off x="2084941" y="2991394"/>
+            <a:ext cx="6595653" cy="536659"/>
+          </a:xfrm>
+          <a:prstGeom prst="flowChartAlternateProcess">
+            <a:avLst/>
+          </a:prstGeom>
+          <a:solidFill>
+            <a:schemeClr val="bg1"/>
+          </a:solidFill>
+          <a:ln w="19050" cap="flat" cmpd="sng" algn="ctr">
+            <a:solidFill>
+              <a:schemeClr val="tx1"/>
+            </a:solidFill>
+            <a:prstDash val="solid"/>
+            <a:miter lim="800000"/>
+          </a:ln>
+          <a:effectLst/>
+        </p:spPr>
+        <p:txBody>
+          <a:bodyPr rtlCol="0" anchor="ctr"/>
+          <a:lstStyle/>
+          <a:p>
+            <a:pPr algn="ctr" eaLnBrk="1" fontAlgn="auto" hangingPunct="1">
+              <a:spcBef>
+                <a:spcPts val="0"/>
+              </a:spcBef>
+              <a:spcAft>
+                <a:spcPts val="0"/>
+              </a:spcAft>
+              <a:defRPr/>
+            </a:pPr>
+            <a:r>
+              <a:rPr kumimoji="0" lang="en-US" altLang="ja-JP" sz="2400" kern="0" dirty="0" err="1">
+                <a:latin typeface="Segoe UI"/>
+                <a:ea typeface="ＭＳ Ｐゴシック" panose="020B0600070205080204" pitchFamily="50" charset="-128"/>
+              </a:rPr>
+              <a:t>Libnoc</a:t>
+            </a:r>
+            <a:r>
+              <a:rPr kumimoji="0" lang="en-US" altLang="ja-JP" sz="2400" kern="0" dirty="0">
+                <a:latin typeface="Segoe UI"/>
+                <a:ea typeface="ＭＳ Ｐゴシック" panose="020B0600070205080204" pitchFamily="50" charset="-128"/>
+              </a:rPr>
+              <a:t>, </a:t>
+            </a:r>
+            <a:r>
+              <a:rPr kumimoji="0" lang="en-US" altLang="ja-JP" sz="2400" kern="0" dirty="0" err="1">
+                <a:latin typeface="Segoe UI"/>
+                <a:ea typeface="ＭＳ Ｐゴシック" panose="020B0600070205080204" pitchFamily="50" charset="-128"/>
+              </a:rPr>
+              <a:t>Librouting</a:t>
+            </a:r>
+            <a:r>
+              <a:rPr kumimoji="0" lang="en-US" altLang="ja-JP" sz="2400" kern="0" dirty="0">
+                <a:latin typeface="Segoe UI"/>
+                <a:ea typeface="ＭＳ Ｐゴシック" panose="020B0600070205080204" pitchFamily="50" charset="-128"/>
+              </a:rPr>
+              <a:t>, </a:t>
+            </a:r>
+            <a:r>
+              <a:rPr kumimoji="0" lang="en-US" altLang="ja-JP" sz="2400" kern="0" dirty="0" err="1">
+                <a:latin typeface="Segoe UI"/>
+                <a:ea typeface="ＭＳ Ｐゴシック" panose="020B0600070205080204" pitchFamily="50" charset="-128"/>
+              </a:rPr>
+              <a:t>Libpower</a:t>
+            </a:r>
+            <a:endParaRPr kumimoji="0" lang="ja-JP" altLang="en-US" sz="2400" kern="0" dirty="0">
+              <a:latin typeface="Segoe UI"/>
+              <a:ea typeface="ＭＳ Ｐゴシック" panose="020B0600070205080204" pitchFamily="50" charset="-128"/>
+            </a:endParaRPr>
+          </a:p>
+        </p:txBody>
+      </p:sp>
+      <p:sp>
+        <p:nvSpPr>
+          <p:cNvPr id="17" name="テキスト ボックス 16"/>
+          <p:cNvSpPr txBox="1"/>
+          <p:nvPr/>
+        </p:nvSpPr>
+        <p:spPr>
+          <a:xfrm>
+            <a:off x="344646" y="2980934"/>
+            <a:ext cx="1472836" cy="549610"/>
+          </a:xfrm>
+          <a:prstGeom prst="rect">
+            <a:avLst/>
+          </a:prstGeom>
+          <a:solidFill>
+            <a:schemeClr val="bg1"/>
+          </a:solidFill>
+          <a:ln w="19050" cap="flat" cmpd="sng" algn="ctr">
+            <a:solidFill>
+              <a:schemeClr val="tx1"/>
+            </a:solidFill>
+            <a:prstDash val="solid"/>
+            <a:miter lim="800000"/>
+          </a:ln>
+          <a:effectLst/>
+        </p:spPr>
+        <p:txBody>
+          <a:bodyPr wrap="square" rtlCol="0" anchor="ctr">
+            <a:noAutofit/>
+          </a:bodyPr>
+          <a:lstStyle/>
+          <a:p>
+            <a:pPr algn="ctr" eaLnBrk="1" fontAlgn="auto" hangingPunct="1">
+              <a:spcBef>
+                <a:spcPts val="0"/>
+              </a:spcBef>
+              <a:spcAft>
+                <a:spcPts val="0"/>
+              </a:spcAft>
+              <a:defRPr/>
+            </a:pPr>
+            <a:r>
+              <a:rPr kumimoji="0" lang="en-US" altLang="ja-JP" sz="1600" b="1" kern="0" dirty="0">
+                <a:latin typeface="Meiryo UI" panose="020B0604030504040204" pitchFamily="50" charset="-128"/>
+                <a:ea typeface="Meiryo UI" panose="020B0604030504040204" pitchFamily="50" charset="-128"/>
+              </a:rPr>
+              <a:t>Low-Level</a:t>
+            </a:r>
+          </a:p>
+          <a:p>
+            <a:pPr algn="ctr" eaLnBrk="1" fontAlgn="auto" hangingPunct="1">
+              <a:spcBef>
+                <a:spcPts val="0"/>
+              </a:spcBef>
+              <a:spcAft>
+                <a:spcPts val="0"/>
+              </a:spcAft>
+              <a:defRPr/>
+            </a:pPr>
+            <a:r>
+              <a:rPr kumimoji="0" lang="en-US" altLang="ja-JP" sz="1600" b="1" kern="0" dirty="0">
+                <a:latin typeface="Meiryo UI" panose="020B0604030504040204" pitchFamily="50" charset="-128"/>
+                <a:ea typeface="Meiryo UI" panose="020B0604030504040204" pitchFamily="50" charset="-128"/>
+              </a:rPr>
+              <a:t>Library</a:t>
+            </a:r>
+            <a:endParaRPr kumimoji="0" lang="ja-JP" altLang="en-US" sz="1600" b="1" kern="0" dirty="0">
+              <a:latin typeface="Meiryo UI" panose="020B0604030504040204" pitchFamily="50" charset="-128"/>
+              <a:ea typeface="Meiryo UI" panose="020B0604030504040204" pitchFamily="50" charset="-128"/>
             </a:endParaRPr>
           </a:p>
         </p:txBody>

--- a/figure/softwarestack.pptx
+++ b/figure/softwarestack.pptx
@@ -1012,7 +1012,7 @@
           <a:p>
             <a:fld id="{E90ED720-0104-4369-84BC-D37694168613}" type="datetimeFigureOut">
               <a:rPr kumimoji="1" lang="ja-JP" altLang="en-US" smtClean="0"/>
-              <a:t>2018/1/10</a:t>
+              <a:t>2018/2/4</a:t>
             </a:fld>
             <a:endParaRPr kumimoji="1" lang="ja-JP" altLang="en-US"/>
           </a:p>
@@ -1214,7 +1214,7 @@
           <a:p>
             <a:fld id="{E90ED720-0104-4369-84BC-D37694168613}" type="datetimeFigureOut">
               <a:rPr kumimoji="1" lang="ja-JP" altLang="en-US" smtClean="0"/>
-              <a:t>2018/1/10</a:t>
+              <a:t>2018/2/4</a:t>
             </a:fld>
             <a:endParaRPr kumimoji="1" lang="ja-JP" altLang="en-US"/>
           </a:p>
@@ -1426,7 +1426,7 @@
           <a:p>
             <a:fld id="{E90ED720-0104-4369-84BC-D37694168613}" type="datetimeFigureOut">
               <a:rPr kumimoji="1" lang="ja-JP" altLang="en-US" smtClean="0"/>
-              <a:t>2018/1/10</a:t>
+              <a:t>2018/2/4</a:t>
             </a:fld>
             <a:endParaRPr kumimoji="1" lang="ja-JP" altLang="en-US"/>
           </a:p>
@@ -1628,7 +1628,7 @@
           <a:p>
             <a:fld id="{E90ED720-0104-4369-84BC-D37694168613}" type="datetimeFigureOut">
               <a:rPr kumimoji="1" lang="ja-JP" altLang="en-US" smtClean="0"/>
-              <a:t>2018/1/10</a:t>
+              <a:t>2018/2/4</a:t>
             </a:fld>
             <a:endParaRPr kumimoji="1" lang="ja-JP" altLang="en-US"/>
           </a:p>
@@ -1874,7 +1874,7 @@
           <a:p>
             <a:fld id="{E90ED720-0104-4369-84BC-D37694168613}" type="datetimeFigureOut">
               <a:rPr kumimoji="1" lang="ja-JP" altLang="en-US" smtClean="0"/>
-              <a:t>2018/1/10</a:t>
+              <a:t>2018/2/4</a:t>
             </a:fld>
             <a:endParaRPr kumimoji="1" lang="ja-JP" altLang="en-US"/>
           </a:p>
@@ -2226,7 +2226,7 @@
           <a:p>
             <a:fld id="{E90ED720-0104-4369-84BC-D37694168613}" type="datetimeFigureOut">
               <a:rPr kumimoji="1" lang="ja-JP" altLang="en-US" smtClean="0"/>
-              <a:t>2018/1/10</a:t>
+              <a:t>2018/2/4</a:t>
             </a:fld>
             <a:endParaRPr kumimoji="1" lang="ja-JP" altLang="en-US"/>
           </a:p>
@@ -2712,7 +2712,7 @@
           <a:p>
             <a:fld id="{E90ED720-0104-4369-84BC-D37694168613}" type="datetimeFigureOut">
               <a:rPr kumimoji="1" lang="ja-JP" altLang="en-US" smtClean="0"/>
-              <a:t>2018/1/10</a:t>
+              <a:t>2018/2/4</a:t>
             </a:fld>
             <a:endParaRPr kumimoji="1" lang="ja-JP" altLang="en-US"/>
           </a:p>
@@ -2830,7 +2830,7 @@
           <a:p>
             <a:fld id="{E90ED720-0104-4369-84BC-D37694168613}" type="datetimeFigureOut">
               <a:rPr kumimoji="1" lang="ja-JP" altLang="en-US" smtClean="0"/>
-              <a:t>2018/1/10</a:t>
+              <a:t>2018/2/4</a:t>
             </a:fld>
             <a:endParaRPr kumimoji="1" lang="ja-JP" altLang="en-US"/>
           </a:p>
@@ -2925,7 +2925,7 @@
           <a:p>
             <a:fld id="{E90ED720-0104-4369-84BC-D37694168613}" type="datetimeFigureOut">
               <a:rPr kumimoji="1" lang="ja-JP" altLang="en-US" smtClean="0"/>
-              <a:t>2018/1/10</a:t>
+              <a:t>2018/2/4</a:t>
             </a:fld>
             <a:endParaRPr kumimoji="1" lang="ja-JP" altLang="en-US"/>
           </a:p>
@@ -3234,7 +3234,7 @@
           <a:p>
             <a:fld id="{E90ED720-0104-4369-84BC-D37694168613}" type="datetimeFigureOut">
               <a:rPr kumimoji="1" lang="ja-JP" altLang="en-US" smtClean="0"/>
-              <a:t>2018/1/10</a:t>
+              <a:t>2018/2/4</a:t>
             </a:fld>
             <a:endParaRPr kumimoji="1" lang="ja-JP" altLang="en-US"/>
           </a:p>
@@ -3487,7 +3487,7 @@
           <a:p>
             <a:fld id="{E90ED720-0104-4369-84BC-D37694168613}" type="datetimeFigureOut">
               <a:rPr kumimoji="1" lang="ja-JP" altLang="en-US" smtClean="0"/>
-              <a:t>2018/1/10</a:t>
+              <a:t>2018/2/4</a:t>
             </a:fld>
             <a:endParaRPr kumimoji="1" lang="ja-JP" altLang="en-US"/>
           </a:p>
@@ -3732,7 +3732,7 @@
           <a:p>
             <a:fld id="{E90ED720-0104-4369-84BC-D37694168613}" type="datetimeFigureOut">
               <a:rPr kumimoji="1" lang="ja-JP" altLang="en-US" smtClean="0"/>
-              <a:t>2018/1/10</a:t>
+              <a:t>2018/2/4</a:t>
             </a:fld>
             <a:endParaRPr kumimoji="1" lang="ja-JP" altLang="en-US"/>
           </a:p>
@@ -4999,7 +4999,14 @@
                 <a:latin typeface="Segoe UI"/>
                 <a:ea typeface="ＭＳ Ｐゴシック" panose="020B0600070205080204" pitchFamily="50" charset="-128"/>
               </a:rPr>
-              <a:t>Libnoc</a:t>
+              <a:t>m</a:t>
+            </a:r>
+            <a:r>
+              <a:rPr kumimoji="0" lang="en-US" altLang="ja-JP" sz="2400" kern="0" dirty="0" err="1" smtClean="0">
+                <a:latin typeface="Segoe UI"/>
+                <a:ea typeface="ＭＳ Ｐゴシック" panose="020B0600070205080204" pitchFamily="50" charset="-128"/>
+              </a:rPr>
+              <a:t>ppa_noc</a:t>
             </a:r>
             <a:r>
               <a:rPr kumimoji="0" lang="en-US" altLang="ja-JP" sz="2400" kern="0" dirty="0">
@@ -5009,11 +5016,11 @@
               <a:t>, </a:t>
             </a:r>
             <a:r>
-              <a:rPr kumimoji="0" lang="en-US" altLang="ja-JP" sz="2400" kern="0" dirty="0" err="1">
+              <a:rPr kumimoji="0" lang="en-US" altLang="ja-JP" sz="2400" kern="0" dirty="0" err="1" smtClean="0">
                 <a:latin typeface="Segoe UI"/>
                 <a:ea typeface="ＭＳ Ｐゴシック" panose="020B0600070205080204" pitchFamily="50" charset="-128"/>
               </a:rPr>
-              <a:t>Librouting</a:t>
+              <a:t>mppa_routing</a:t>
             </a:r>
             <a:r>
               <a:rPr kumimoji="0" lang="en-US" altLang="ja-JP" sz="2400" kern="0" dirty="0">
@@ -5023,11 +5030,11 @@
               <a:t>, </a:t>
             </a:r>
             <a:r>
-              <a:rPr kumimoji="0" lang="en-US" altLang="ja-JP" sz="2400" kern="0" dirty="0" err="1">
+              <a:rPr kumimoji="0" lang="en-US" altLang="ja-JP" sz="2400" kern="0" smtClean="0">
                 <a:latin typeface="Segoe UI"/>
                 <a:ea typeface="ＭＳ Ｐゴシック" panose="020B0600070205080204" pitchFamily="50" charset="-128"/>
               </a:rPr>
-              <a:t>Libpower</a:t>
+              <a:t>mppa_power</a:t>
             </a:r>
             <a:endParaRPr kumimoji="0" lang="ja-JP" altLang="en-US" sz="2400" kern="0" dirty="0">
               <a:latin typeface="Segoe UI"/>
